--- a/docproject/official_ahns/presentations/mick_semester2.pptx
+++ b/docproject/official_ahns/presentations/mick_semester2.pptx
@@ -8827,7 +8827,7 @@
             <a:fld id="{9A6A2903-C65C-4228-857A-941E317BDD5D}" type="datetimeFigureOut">
               <a:rPr lang="en-US" smtClean="0"/>
               <a:pPr/>
-              <a:t>10/24/2010</a:t>
+              <a:t>10/25/2010</a:t>
             </a:fld>
             <a:endParaRPr lang="en-AU"/>
           </a:p>
@@ -9470,7 +9470,7 @@
             <a:fld id="{7919CA88-F400-4F96-AAC9-5A36471D2F8F}" type="datetime1">
               <a:rPr lang="en-US" smtClean="0"/>
               <a:pPr/>
-              <a:t>10/24/2010</a:t>
+              <a:t>10/25/2010</a:t>
             </a:fld>
             <a:endParaRPr lang="en-AU"/>
           </a:p>
@@ -9663,7 +9663,7 @@
             <a:fld id="{2207902A-905F-4BD2-ABD0-6790D765BD7D}" type="datetime1">
               <a:rPr lang="en-US" smtClean="0"/>
               <a:pPr/>
-              <a:t>10/24/2010</a:t>
+              <a:t>10/25/2010</a:t>
             </a:fld>
             <a:endParaRPr lang="en-AU"/>
           </a:p>
@@ -9850,7 +9850,7 @@
             <a:fld id="{68CB0762-0231-43FA-A01A-E827C5FB3934}" type="datetime1">
               <a:rPr lang="en-US" smtClean="0"/>
               <a:pPr/>
-              <a:t>10/24/2010</a:t>
+              <a:t>10/25/2010</a:t>
             </a:fld>
             <a:endParaRPr lang="en-AU"/>
           </a:p>
@@ -10115,7 +10115,7 @@
             <a:fld id="{594CA299-69E0-4B5F-BFFE-33BD425F2323}" type="datetime1">
               <a:rPr lang="en-US" smtClean="0"/>
               <a:pPr/>
-              <a:t>10/24/2010</a:t>
+              <a:t>10/25/2010</a:t>
             </a:fld>
             <a:endParaRPr lang="en-AU"/>
           </a:p>
@@ -10533,7 +10533,7 @@
             <a:fld id="{5FDECECB-0ABB-48A5-A803-F4718B8D91D4}" type="datetime1">
               <a:rPr lang="en-US" smtClean="0"/>
               <a:pPr/>
-              <a:t>10/24/2010</a:t>
+              <a:t>10/25/2010</a:t>
             </a:fld>
             <a:endParaRPr lang="en-AU"/>
           </a:p>
@@ -10777,7 +10777,7 @@
             <a:fld id="{0CD0D081-CFFD-4432-A533-29AE4BE48E57}" type="datetime1">
               <a:rPr lang="en-US" smtClean="0"/>
               <a:pPr/>
-              <a:t>10/24/2010</a:t>
+              <a:t>10/25/2010</a:t>
             </a:fld>
             <a:endParaRPr lang="en-AU"/>
           </a:p>
@@ -11015,7 +11015,7 @@
             <a:fld id="{7B7440B4-A06A-40E0-B7EF-6670831A308E}" type="datetime1">
               <a:rPr lang="en-US" smtClean="0"/>
               <a:pPr/>
-              <a:t>10/24/2010</a:t>
+              <a:t>10/25/2010</a:t>
             </a:fld>
             <a:endParaRPr lang="en-AU"/>
           </a:p>
@@ -11212,7 +11212,7 @@
             <a:fld id="{9832126A-3231-47DF-B16E-4C6489635FEB}" type="datetime1">
               <a:rPr lang="en-US" smtClean="0"/>
               <a:pPr/>
-              <a:t>10/24/2010</a:t>
+              <a:t>10/25/2010</a:t>
             </a:fld>
             <a:endParaRPr lang="en-AU"/>
           </a:p>
@@ -11312,7 +11312,7 @@
             <a:fld id="{60AA0776-8768-4D9F-B358-B6616329A00C}" type="datetime1">
               <a:rPr lang="en-US" smtClean="0"/>
               <a:pPr/>
-              <a:t>10/24/2010</a:t>
+              <a:t>10/25/2010</a:t>
             </a:fld>
             <a:endParaRPr lang="en-AU"/>
           </a:p>
@@ -11450,7 +11450,7 @@
             <a:fld id="{50E14E35-EF70-459E-895B-1A299CF0D7FB}" type="datetime1">
               <a:rPr lang="en-US" smtClean="0"/>
               <a:pPr/>
-              <a:t>10/24/2010</a:t>
+              <a:t>10/25/2010</a:t>
             </a:fld>
             <a:endParaRPr lang="en-AU"/>
           </a:p>
@@ -11970,7 +11970,7 @@
             <a:fld id="{DB528153-DE87-43B6-9990-0274F15398EF}" type="datetime1">
               <a:rPr lang="en-US" smtClean="0"/>
               <a:pPr/>
-              <a:t>10/24/2010</a:t>
+              <a:t>10/25/2010</a:t>
             </a:fld>
             <a:endParaRPr lang="en-AU"/>
           </a:p>
@@ -12233,7 +12233,7 @@
             <a:fld id="{48FA1E52-FDA1-4508-A8D9-1BBAF0D75B3D}" type="datetime1">
               <a:rPr lang="en-US" smtClean="0"/>
               <a:pPr/>
-              <a:t>10/24/2010</a:t>
+              <a:t>10/25/2010</a:t>
             </a:fld>
             <a:endParaRPr lang="en-AU"/>
           </a:p>
@@ -13000,41 +13000,6 @@
       </p:graphicFrame>
       <p:pic>
         <p:nvPicPr>
-          <p:cNvPr id="8" name="rc_flight.wmv">
-            <a:hlinkClick r:id="" action="ppaction://media"/>
-          </p:cNvPr>
-          <p:cNvPicPr>
-            <a:picLocks noRot="1" noChangeAspect="1"/>
-          </p:cNvPicPr>
-          <p:nvPr>
-            <a:videoFile r:link="rId1"/>
-          </p:nvPr>
-        </p:nvPicPr>
-        <p:blipFill>
-          <a:blip r:embed="rId8" cstate="print"/>
-          <a:stretch>
-            <a:fillRect/>
-          </a:stretch>
-        </p:blipFill>
-        <p:spPr>
-          <a:xfrm>
-            <a:off x="533400" y="1143000"/>
-            <a:ext cx="8077200" cy="4572000"/>
-          </a:xfrm>
-          <a:prstGeom prst="rect">
-            <a:avLst/>
-          </a:prstGeom>
-          <a:effectLst>
-            <a:outerShdw blurRad="50800" dist="38100" dir="2700000" algn="tl" rotWithShape="0">
-              <a:prstClr val="black">
-                <a:alpha val="40000"/>
-              </a:prstClr>
-            </a:outerShdw>
-          </a:effectLst>
-        </p:spPr>
-      </p:pic>
-      <p:pic>
-        <p:nvPicPr>
           <p:cNvPr id="32770" name="Picture 2"/>
           <p:cNvPicPr>
             <a:picLocks noChangeAspect="1" noChangeArrowheads="1"/>
@@ -13042,7 +13007,7 @@
           <p:nvPr/>
         </p:nvPicPr>
         <p:blipFill>
-          <a:blip r:embed="rId9" cstate="print"/>
+          <a:blip r:embed="rId8" cstate="print"/>
           <a:srcRect/>
           <a:stretch>
             <a:fillRect/>
@@ -13070,6 +13035,34 @@
               </a:prstClr>
             </a:outerShdw>
           </a:effectLst>
+        </p:spPr>
+      </p:pic>
+      <p:pic>
+        <p:nvPicPr>
+          <p:cNvPr id="9" name="rc_flight.wmv">
+            <a:hlinkClick r:id="" action="ppaction://media"/>
+          </p:cNvPr>
+          <p:cNvPicPr>
+            <a:picLocks noRot="1" noChangeAspect="1"/>
+          </p:cNvPicPr>
+          <p:nvPr>
+            <a:videoFile r:link="rId1"/>
+          </p:nvPr>
+        </p:nvPicPr>
+        <p:blipFill>
+          <a:blip r:embed="rId9" cstate="print"/>
+          <a:stretch>
+            <a:fillRect/>
+          </a:stretch>
+        </p:blipFill>
+        <p:spPr>
+          <a:xfrm>
+            <a:off x="527248" y="1143000"/>
+            <a:ext cx="8077200" cy="4572000"/>
+          </a:xfrm>
+          <a:prstGeom prst="rect">
+            <a:avLst/>
+          </a:prstGeom>
         </p:spPr>
       </p:pic>
     </p:spTree>
@@ -13257,7 +13250,7 @@
                                           </p:stCondLst>
                                         </p:cTn>
                                         <p:tgtEl>
-                                          <p:spTgt spid="8"/>
+                                          <p:spTgt spid="9"/>
                                         </p:tgtEl>
                                         <p:attrNameLst>
                                           <p:attrName>style.visibility</p:attrName>
@@ -13271,7 +13264,7 @@
                                       <p:cBhvr>
                                         <p:cTn id="18" dur="500" fill="hold"/>
                                         <p:tgtEl>
-                                          <p:spTgt spid="8"/>
+                                          <p:spTgt spid="9"/>
                                         </p:tgtEl>
                                         <p:attrNameLst>
                                           <p:attrName>ppt_w</p:attrName>
@@ -13294,7 +13287,7 @@
                                       <p:cBhvr>
                                         <p:cTn id="19" dur="500" fill="hold"/>
                                         <p:tgtEl>
-                                          <p:spTgt spid="8"/>
+                                          <p:spTgt spid="9"/>
                                         </p:tgtEl>
                                         <p:attrNameLst>
                                           <p:attrName>ppt_h</p:attrName>
@@ -13335,7 +13328,7 @@
                                       <p:cBhvr>
                                         <p:cTn id="22" dur="25196" fill="hold"/>
                                         <p:tgtEl>
-                                          <p:spTgt spid="8"/>
+                                          <p:spTgt spid="9"/>
                                         </p:tgtEl>
                                       </p:cBhvr>
                                     </p:cmd>
@@ -13370,7 +13363,7 @@
                                       <p:cBhvr>
                                         <p:cTn id="26" dur="1000" fill="hold"/>
                                         <p:tgtEl>
-                                          <p:spTgt spid="8"/>
+                                          <p:spTgt spid="9"/>
                                         </p:tgtEl>
                                       </p:cBhvr>
                                       <p:by x="25000" y="25000"/>
@@ -13384,11 +13377,11 @@
                                     <p:cond delay="0"/>
                                   </p:stCondLst>
                                   <p:childTnLst>
-                                    <p:animMotion origin="layout" path="M 0 0 L -0.09444 0.40949 " pathEditMode="relative" rAng="0" ptsTypes="AA">
+                                    <p:animMotion origin="layout" path="M 4.44444E-6 0 L -0.09375 0.40949 " pathEditMode="relative" rAng="0" ptsTypes="AA">
                                       <p:cBhvr>
                                         <p:cTn id="28" dur="1000" fill="hold"/>
                                         <p:tgtEl>
-                                          <p:spTgt spid="8"/>
+                                          <p:spTgt spid="9"/>
                                         </p:tgtEl>
                                         <p:attrNameLst>
                                           <p:attrName>ppt_x</p:attrName>
@@ -13592,7 +13585,7 @@
                   </p:endCondLst>
                 </p:cTn>
                 <p:tgtEl>
-                  <p:spTgt spid="8"/>
+                  <p:spTgt spid="9"/>
                 </p:tgtEl>
               </p:cMediaNode>
             </p:video>
@@ -13786,11 +13779,7 @@
             <a:pPr lvl="1"/>
             <a:r>
               <a:rPr lang="en-AU" dirty="0" smtClean="0"/>
-              <a:t>Minimum of two people developing </a:t>
-            </a:r>
-            <a:r>
-              <a:rPr lang="en-AU" dirty="0" smtClean="0"/>
-              <a:t>hardware</a:t>
+              <a:t>Minimum of two people developing hardware</a:t>
             </a:r>
           </a:p>
           <a:p>
@@ -13799,7 +13788,6 @@
               <a:rPr lang="en-AU" dirty="0" smtClean="0"/>
               <a:t>Devote more time to hardware development </a:t>
             </a:r>
-            <a:endParaRPr lang="en-AU" dirty="0" smtClean="0"/>
           </a:p>
           <a:p>
             <a:pPr lvl="1"/>
